--- a/a-presentation/rails_app_presentation.pptx
+++ b/a-presentation/rails_app_presentation.pptx
@@ -1327,8 +1327,8 @@
         </p:nvSpPr>
         <p:spPr>
           <a:xfrm>
-            <a:off x="838200" y="39480"/>
-            <a:ext cx="10515600" cy="1073150"/>
+            <a:off x="1653988" y="39480"/>
+            <a:ext cx="10538012" cy="1073150"/>
           </a:xfrm>
         </p:spPr>
         <p:txBody>
@@ -2669,7 +2669,7 @@
           <a:p>
             <a:fld id="{9618C56C-3994-EE4F-A092-9E049A8DA68C}" type="datetimeFigureOut">
               <a:rPr lang="en-US" smtClean="0"/>
-              <a:t>5/11/19</a:t>
+              <a:t>5/12/19</a:t>
             </a:fld>
             <a:endParaRPr lang="en-US"/>
           </a:p>
@@ -3381,8 +3381,8 @@
         </p:nvSpPr>
         <p:spPr>
           <a:xfrm>
-            <a:off x="838200" y="365125"/>
-            <a:ext cx="10515600" cy="1325563"/>
+            <a:off x="1640542" y="2"/>
+            <a:ext cx="10551458" cy="1230404"/>
           </a:xfrm>
           <a:prstGeom prst="rect">
             <a:avLst/>
@@ -3419,8 +3419,8 @@
         </p:nvSpPr>
         <p:spPr>
           <a:xfrm>
-            <a:off x="838200" y="1825625"/>
-            <a:ext cx="10515600" cy="4351338"/>
+            <a:off x="313763" y="1438835"/>
+            <a:ext cx="11304495" cy="4765022"/>
           </a:xfrm>
           <a:prstGeom prst="rect">
             <a:avLst/>
@@ -3509,7 +3509,7 @@
           <a:p>
             <a:fld id="{9618C56C-3994-EE4F-A092-9E049A8DA68C}" type="datetimeFigureOut">
               <a:rPr lang="en-US" smtClean="0"/>
-              <a:t>5/11/19</a:t>
+              <a:t>5/12/19</a:t>
             </a:fld>
             <a:endParaRPr lang="en-US"/>
           </a:p>
@@ -3605,6 +3605,41 @@
           </a:p>
         </p:txBody>
       </p:sp>
+      <p:pic>
+        <p:nvPicPr>
+          <p:cNvPr id="7" name="Picture 6">
+            <a:extLst>
+              <a:ext uri="{FF2B5EF4-FFF2-40B4-BE49-F238E27FC236}">
+                <a16:creationId xmlns:a16="http://schemas.microsoft.com/office/drawing/2014/main" id="{420F4092-4D19-0146-ADD0-763A332F6313}"/>
+              </a:ext>
+            </a:extLst>
+          </p:cNvPr>
+          <p:cNvPicPr>
+            <a:picLocks noChangeAspect="1"/>
+          </p:cNvPicPr>
+          <p:nvPr userDrawn="1"/>
+        </p:nvPicPr>
+        <p:blipFill>
+          <a:blip r:embed="rId13"/>
+          <a:stretch>
+            <a:fillRect/>
+          </a:stretch>
+        </p:blipFill>
+        <p:spPr>
+          <a:xfrm>
+            <a:off x="1" y="1"/>
+            <a:ext cx="1640540" cy="1230404"/>
+          </a:xfrm>
+          <a:prstGeom prst="rect">
+            <a:avLst/>
+          </a:prstGeom>
+          <a:ln w="12700">
+            <a:solidFill>
+              <a:schemeClr val="bg1"/>
+            </a:solidFill>
+          </a:ln>
+        </p:spPr>
+      </p:pic>
     </p:spTree>
     <p:extLst>
       <p:ext uri="{BB962C8B-B14F-4D97-AF65-F5344CB8AC3E}">
@@ -3636,11 +3671,11 @@
           <a:spcPct val="0"/>
         </a:spcBef>
         <a:buNone/>
-        <a:defRPr sz="4400" kern="1200">
+        <a:defRPr sz="4000" b="1" kern="1200">
           <a:solidFill>
             <a:schemeClr val="tx1"/>
           </a:solidFill>
-          <a:latin typeface="+mj-lt"/>
+          <a:latin typeface="Helvetica" pitchFamily="2" charset="0"/>
           <a:ea typeface="+mj-ea"/>
           <a:cs typeface="+mj-cs"/>
         </a:defRPr>
@@ -4143,99 +4178,173 @@
           <a:chExt cx="0" cy="0"/>
         </a:xfrm>
       </p:grpSpPr>
-      <p:pic>
-        <p:nvPicPr>
-          <p:cNvPr id="2" name="Picture 1">
-            <a:extLst>
-              <a:ext uri="{FF2B5EF4-FFF2-40B4-BE49-F238E27FC236}">
-                <a16:creationId xmlns:a16="http://schemas.microsoft.com/office/drawing/2014/main" id="{3EEEC3FE-2E2B-3B4E-8256-033BE8FCE681}"/>
-              </a:ext>
-            </a:extLst>
-          </p:cNvPr>
-          <p:cNvPicPr>
-            <a:picLocks noChangeAspect="1"/>
-          </p:cNvPicPr>
-          <p:nvPr/>
-        </p:nvPicPr>
-        <p:blipFill>
-          <a:blip r:embed="rId2"/>
-          <a:stretch>
-            <a:fillRect/>
-          </a:stretch>
-        </p:blipFill>
-        <p:spPr>
-          <a:xfrm>
-            <a:off x="1" y="1"/>
-            <a:ext cx="1290918" cy="968188"/>
-          </a:xfrm>
-          <a:prstGeom prst="rect">
-            <a:avLst/>
-          </a:prstGeom>
-        </p:spPr>
-      </p:pic>
-      <p:sp>
-        <p:nvSpPr>
-          <p:cNvPr id="3" name="Rectangle 2">
-            <a:extLst>
-              <a:ext uri="{FF2B5EF4-FFF2-40B4-BE49-F238E27FC236}">
-                <a16:creationId xmlns:a16="http://schemas.microsoft.com/office/drawing/2014/main" id="{384519F1-ACFF-EE4D-AB96-785BF3EFE3F4}"/>
-              </a:ext>
-            </a:extLst>
-          </p:cNvPr>
-          <p:cNvSpPr/>
-          <p:nvPr/>
-        </p:nvSpPr>
-        <p:spPr>
-          <a:xfrm>
-            <a:off x="1169894" y="14082"/>
-            <a:ext cx="10824883" cy="1015663"/>
-          </a:xfrm>
-          <a:prstGeom prst="rect">
-            <a:avLst/>
-          </a:prstGeom>
-        </p:spPr>
-        <p:txBody>
-          <a:bodyPr wrap="square">
-            <a:spAutoFit/>
+      <p:sp>
+        <p:nvSpPr>
+          <p:cNvPr id="4" name="Title 3">
+            <a:extLst>
+              <a:ext uri="{FF2B5EF4-FFF2-40B4-BE49-F238E27FC236}">
+                <a16:creationId xmlns:a16="http://schemas.microsoft.com/office/drawing/2014/main" id="{38C4DFF6-F3D7-E046-921E-458B981F16C5}"/>
+              </a:ext>
+            </a:extLst>
+          </p:cNvPr>
+          <p:cNvSpPr>
+            <a:spLocks noGrp="1"/>
+          </p:cNvSpPr>
+          <p:nvPr>
+            <p:ph type="title"/>
+          </p:nvPr>
+        </p:nvSpPr>
+        <p:spPr/>
+        <p:txBody>
+          <a:bodyPr>
+            <a:noAutofit/>
           </a:bodyPr>
           <a:lstStyle/>
           <a:p>
             <a:r>
-              <a:rPr lang="en-AU" sz="2800" b="0" i="0" dirty="0">
+              <a:rPr lang="en-AU" sz="3200" b="0" dirty="0">
                 <a:solidFill>
                   <a:srgbClr val="F8803B"/>
                 </a:solidFill>
-                <a:effectLst/>
-                <a:latin typeface="Helvetica" pitchFamily="2" charset="0"/>
               </a:rPr>
-              <a:t>review of your development/build process including challenges, ethical issues, </a:t>
-            </a:r>
-            <a:r>
-              <a:rPr lang="en-AU" sz="3200" b="0" i="0" dirty="0">
+              <a:t>review of your development/build process including challenges, ethical issues, favourite parts, etc</a:t>
+            </a:r>
+            <a:endParaRPr lang="en-US" sz="3200" b="0" dirty="0">
+              <a:solidFill>
+                <a:srgbClr val="F8803B"/>
+              </a:solidFill>
+            </a:endParaRPr>
+          </a:p>
+        </p:txBody>
+      </p:sp>
+      <p:sp>
+        <p:nvSpPr>
+          <p:cNvPr id="5" name="Content Placeholder 4">
+            <a:extLst>
+              <a:ext uri="{FF2B5EF4-FFF2-40B4-BE49-F238E27FC236}">
+                <a16:creationId xmlns:a16="http://schemas.microsoft.com/office/drawing/2014/main" id="{E7CF3575-1919-9D48-80EE-B93267147357}"/>
+              </a:ext>
+            </a:extLst>
+          </p:cNvPr>
+          <p:cNvSpPr>
+            <a:spLocks noGrp="1"/>
+          </p:cNvSpPr>
+          <p:nvPr>
+            <p:ph idx="1"/>
+          </p:nvPr>
+        </p:nvSpPr>
+        <p:spPr/>
+        <p:txBody>
+          <a:bodyPr/>
+          <a:lstStyle/>
+          <a:p>
+            <a:r>
+              <a:rPr lang="en-US" dirty="0">
                 <a:solidFill>
                   <a:srgbClr val="F8803B"/>
                 </a:solidFill>
-                <a:effectLst/>
-                <a:latin typeface="Helvetica" pitchFamily="2" charset="0"/>
               </a:rPr>
-              <a:t>favourite</a:t>
-            </a:r>
-            <a:r>
-              <a:rPr lang="en-AU" sz="2800" b="0" i="0" dirty="0">
+              <a:t>Challenges</a:t>
+            </a:r>
+          </a:p>
+          <a:p>
+            <a:pPr lvl="1"/>
+            <a:r>
+              <a:rPr lang="en-US" dirty="0">
                 <a:solidFill>
                   <a:srgbClr val="F8803B"/>
                 </a:solidFill>
-                <a:effectLst/>
-                <a:latin typeface="Helvetica" pitchFamily="2" charset="0"/>
               </a:rPr>
-              <a:t> parts, etc</a:t>
-            </a:r>
-            <a:endParaRPr lang="en-US" sz="2800" dirty="0">
+              <a:t>GitHub</a:t>
+            </a:r>
+          </a:p>
+          <a:p>
+            <a:pPr lvl="1"/>
+            <a:r>
+              <a:rPr lang="en-US" dirty="0">
+                <a:solidFill>
+                  <a:srgbClr val="F8803B"/>
+                </a:solidFill>
+              </a:rPr>
+              <a:t>Bootstrap</a:t>
+            </a:r>
+          </a:p>
+          <a:p>
+            <a:pPr lvl="1"/>
+            <a:r>
+              <a:rPr lang="en-US" dirty="0">
+                <a:solidFill>
+                  <a:srgbClr val="F8803B"/>
+                </a:solidFill>
+              </a:rPr>
+              <a:t>Devise – configuring 2 models</a:t>
+            </a:r>
+          </a:p>
+          <a:p>
+            <a:pPr lvl="1"/>
+            <a:endParaRPr lang="en-US" dirty="0">
               <a:solidFill>
                 <a:srgbClr val="F8803B"/>
               </a:solidFill>
-              <a:latin typeface="Helvetica" pitchFamily="2" charset="0"/>
             </a:endParaRPr>
+          </a:p>
+          <a:p>
+            <a:r>
+              <a:rPr lang="en-US" dirty="0">
+                <a:solidFill>
+                  <a:srgbClr val="F8803B"/>
+                </a:solidFill>
+              </a:rPr>
+              <a:t>Satisfaction</a:t>
+            </a:r>
+          </a:p>
+          <a:p>
+            <a:pPr lvl="1"/>
+            <a:r>
+              <a:rPr lang="en-US" dirty="0">
+                <a:solidFill>
+                  <a:srgbClr val="F8803B"/>
+                </a:solidFill>
+              </a:rPr>
+              <a:t>💡 How to retrieve data from related database tables</a:t>
+            </a:r>
+          </a:p>
+          <a:p>
+            <a:pPr lvl="1"/>
+            <a:endParaRPr lang="en-US" dirty="0">
+              <a:solidFill>
+                <a:srgbClr val="F8803B"/>
+              </a:solidFill>
+            </a:endParaRPr>
+          </a:p>
+          <a:p>
+            <a:r>
+              <a:rPr lang="en-AU" dirty="0">
+                <a:solidFill>
+                  <a:srgbClr val="F8803B"/>
+                </a:solidFill>
+              </a:rPr>
+              <a:t>Favourite</a:t>
+            </a:r>
+            <a:r>
+              <a:rPr lang="en-US" dirty="0">
+                <a:solidFill>
+                  <a:srgbClr val="F8803B"/>
+                </a:solidFill>
+              </a:rPr>
+              <a:t> parts</a:t>
+            </a:r>
+          </a:p>
+          <a:p>
+            <a:pPr lvl="1"/>
+            <a:r>
+              <a:rPr lang="en-US" dirty="0">
+                <a:solidFill>
+                  <a:srgbClr val="F8803B"/>
+                </a:solidFill>
+              </a:rPr>
+              <a:t>debugging</a:t>
+            </a:r>
           </a:p>
         </p:txBody>
       </p:sp>
@@ -4277,36 +4386,56 @@
           <a:chExt cx="0" cy="0"/>
         </a:xfrm>
       </p:grpSpPr>
-      <p:pic>
-        <p:nvPicPr>
-          <p:cNvPr id="2" name="Picture 1">
-            <a:extLst>
-              <a:ext uri="{FF2B5EF4-FFF2-40B4-BE49-F238E27FC236}">
-                <a16:creationId xmlns:a16="http://schemas.microsoft.com/office/drawing/2014/main" id="{F314DD4C-929E-7743-9ACD-138C25E1F514}"/>
-              </a:ext>
-            </a:extLst>
-          </p:cNvPr>
-          <p:cNvPicPr>
-            <a:picLocks noChangeAspect="1"/>
-          </p:cNvPicPr>
-          <p:nvPr/>
-        </p:nvPicPr>
-        <p:blipFill>
-          <a:blip r:embed="rId2"/>
-          <a:stretch>
-            <a:fillRect/>
-          </a:stretch>
-        </p:blipFill>
-        <p:spPr>
-          <a:xfrm>
-            <a:off x="1" y="1"/>
-            <a:ext cx="1290918" cy="968188"/>
-          </a:xfrm>
-          <a:prstGeom prst="rect">
-            <a:avLst/>
-          </a:prstGeom>
-        </p:spPr>
-      </p:pic>
+      <p:sp>
+        <p:nvSpPr>
+          <p:cNvPr id="3" name="Title 2">
+            <a:extLst>
+              <a:ext uri="{FF2B5EF4-FFF2-40B4-BE49-F238E27FC236}">
+                <a16:creationId xmlns:a16="http://schemas.microsoft.com/office/drawing/2014/main" id="{2C5DBEDC-68C9-7F4B-B7CB-0B1279BE56DC}"/>
+              </a:ext>
+            </a:extLst>
+          </p:cNvPr>
+          <p:cNvSpPr>
+            <a:spLocks noGrp="1"/>
+          </p:cNvSpPr>
+          <p:nvPr>
+            <p:ph type="title"/>
+          </p:nvPr>
+        </p:nvSpPr>
+        <p:spPr/>
+        <p:txBody>
+          <a:bodyPr/>
+          <a:lstStyle/>
+          <a:p>
+            <a:endParaRPr lang="en-AU"/>
+          </a:p>
+        </p:txBody>
+      </p:sp>
+      <p:sp>
+        <p:nvSpPr>
+          <p:cNvPr id="4" name="Content Placeholder 3">
+            <a:extLst>
+              <a:ext uri="{FF2B5EF4-FFF2-40B4-BE49-F238E27FC236}">
+                <a16:creationId xmlns:a16="http://schemas.microsoft.com/office/drawing/2014/main" id="{7A009E55-3400-2D48-82AF-71A9137B29C1}"/>
+              </a:ext>
+            </a:extLst>
+          </p:cNvPr>
+          <p:cNvSpPr>
+            <a:spLocks noGrp="1"/>
+          </p:cNvSpPr>
+          <p:nvPr>
+            <p:ph idx="1"/>
+          </p:nvPr>
+        </p:nvSpPr>
+        <p:spPr/>
+        <p:txBody>
+          <a:bodyPr/>
+          <a:lstStyle/>
+          <a:p>
+            <a:endParaRPr lang="en-AU"/>
+          </a:p>
+        </p:txBody>
+      </p:sp>
     </p:spTree>
     <p:extLst>
       <p:ext uri="{BB962C8B-B14F-4D97-AF65-F5344CB8AC3E}">
@@ -4345,36 +4474,56 @@
           <a:chExt cx="0" cy="0"/>
         </a:xfrm>
       </p:grpSpPr>
-      <p:pic>
-        <p:nvPicPr>
-          <p:cNvPr id="2" name="Picture 1">
-            <a:extLst>
-              <a:ext uri="{FF2B5EF4-FFF2-40B4-BE49-F238E27FC236}">
-                <a16:creationId xmlns:a16="http://schemas.microsoft.com/office/drawing/2014/main" id="{5981EC34-EB4C-D746-A55F-9FF99588042F}"/>
-              </a:ext>
-            </a:extLst>
-          </p:cNvPr>
-          <p:cNvPicPr>
-            <a:picLocks noChangeAspect="1"/>
-          </p:cNvPicPr>
-          <p:nvPr/>
-        </p:nvPicPr>
-        <p:blipFill>
-          <a:blip r:embed="rId2"/>
-          <a:stretch>
-            <a:fillRect/>
-          </a:stretch>
-        </p:blipFill>
-        <p:spPr>
-          <a:xfrm>
-            <a:off x="1" y="1"/>
-            <a:ext cx="1290918" cy="968188"/>
-          </a:xfrm>
-          <a:prstGeom prst="rect">
-            <a:avLst/>
-          </a:prstGeom>
-        </p:spPr>
-      </p:pic>
+      <p:sp>
+        <p:nvSpPr>
+          <p:cNvPr id="3" name="Title 2">
+            <a:extLst>
+              <a:ext uri="{FF2B5EF4-FFF2-40B4-BE49-F238E27FC236}">
+                <a16:creationId xmlns:a16="http://schemas.microsoft.com/office/drawing/2014/main" id="{981098F3-151F-EE4C-9AF4-44226229FA3B}"/>
+              </a:ext>
+            </a:extLst>
+          </p:cNvPr>
+          <p:cNvSpPr>
+            <a:spLocks noGrp="1"/>
+          </p:cNvSpPr>
+          <p:nvPr>
+            <p:ph type="title"/>
+          </p:nvPr>
+        </p:nvSpPr>
+        <p:spPr/>
+        <p:txBody>
+          <a:bodyPr/>
+          <a:lstStyle/>
+          <a:p>
+            <a:endParaRPr lang="en-AU"/>
+          </a:p>
+        </p:txBody>
+      </p:sp>
+      <p:sp>
+        <p:nvSpPr>
+          <p:cNvPr id="4" name="Content Placeholder 3">
+            <a:extLst>
+              <a:ext uri="{FF2B5EF4-FFF2-40B4-BE49-F238E27FC236}">
+                <a16:creationId xmlns:a16="http://schemas.microsoft.com/office/drawing/2014/main" id="{04B41969-E457-214B-8637-7963136EC2E0}"/>
+              </a:ext>
+            </a:extLst>
+          </p:cNvPr>
+          <p:cNvSpPr>
+            <a:spLocks noGrp="1"/>
+          </p:cNvSpPr>
+          <p:nvPr>
+            <p:ph idx="1"/>
+          </p:nvPr>
+        </p:nvSpPr>
+        <p:spPr/>
+        <p:txBody>
+          <a:bodyPr/>
+          <a:lstStyle/>
+          <a:p>
+            <a:endParaRPr lang="en-AU"/>
+          </a:p>
+        </p:txBody>
+      </p:sp>
     </p:spTree>
     <p:extLst>
       <p:ext uri="{BB962C8B-B14F-4D97-AF65-F5344CB8AC3E}">
@@ -4413,6 +4562,56 @@
           <a:chExt cx="0" cy="0"/>
         </a:xfrm>
       </p:grpSpPr>
+      <p:sp>
+        <p:nvSpPr>
+          <p:cNvPr id="2" name="Title 1">
+            <a:extLst>
+              <a:ext uri="{FF2B5EF4-FFF2-40B4-BE49-F238E27FC236}">
+                <a16:creationId xmlns:a16="http://schemas.microsoft.com/office/drawing/2014/main" id="{B7D54F68-3A8B-F749-92B3-C6D7894B879D}"/>
+              </a:ext>
+            </a:extLst>
+          </p:cNvPr>
+          <p:cNvSpPr>
+            <a:spLocks noGrp="1"/>
+          </p:cNvSpPr>
+          <p:nvPr>
+            <p:ph type="title"/>
+          </p:nvPr>
+        </p:nvSpPr>
+        <p:spPr/>
+        <p:txBody>
+          <a:bodyPr/>
+          <a:lstStyle/>
+          <a:p>
+            <a:endParaRPr lang="en-AU"/>
+          </a:p>
+        </p:txBody>
+      </p:sp>
+      <p:sp>
+        <p:nvSpPr>
+          <p:cNvPr id="3" name="Content Placeholder 2">
+            <a:extLst>
+              <a:ext uri="{FF2B5EF4-FFF2-40B4-BE49-F238E27FC236}">
+                <a16:creationId xmlns:a16="http://schemas.microsoft.com/office/drawing/2014/main" id="{0C365F9B-9159-4B4B-BA8F-538336383D4F}"/>
+              </a:ext>
+            </a:extLst>
+          </p:cNvPr>
+          <p:cNvSpPr>
+            <a:spLocks noGrp="1"/>
+          </p:cNvSpPr>
+          <p:nvPr>
+            <p:ph idx="1"/>
+          </p:nvPr>
+        </p:nvSpPr>
+        <p:spPr/>
+        <p:txBody>
+          <a:bodyPr/>
+          <a:lstStyle/>
+          <a:p>
+            <a:endParaRPr lang="en-AU"/>
+          </a:p>
+        </p:txBody>
+      </p:sp>
     </p:spTree>
     <p:extLst>
       <p:ext uri="{BB962C8B-B14F-4D97-AF65-F5344CB8AC3E}">
@@ -4451,6 +4650,56 @@
           <a:chExt cx="0" cy="0"/>
         </a:xfrm>
       </p:grpSpPr>
+      <p:sp>
+        <p:nvSpPr>
+          <p:cNvPr id="2" name="Title 1">
+            <a:extLst>
+              <a:ext uri="{FF2B5EF4-FFF2-40B4-BE49-F238E27FC236}">
+                <a16:creationId xmlns:a16="http://schemas.microsoft.com/office/drawing/2014/main" id="{6AEBC3FC-3DCF-1046-86A5-D9059409979B}"/>
+              </a:ext>
+            </a:extLst>
+          </p:cNvPr>
+          <p:cNvSpPr>
+            <a:spLocks noGrp="1"/>
+          </p:cNvSpPr>
+          <p:nvPr>
+            <p:ph type="title"/>
+          </p:nvPr>
+        </p:nvSpPr>
+        <p:spPr/>
+        <p:txBody>
+          <a:bodyPr/>
+          <a:lstStyle/>
+          <a:p>
+            <a:endParaRPr lang="en-AU"/>
+          </a:p>
+        </p:txBody>
+      </p:sp>
+      <p:sp>
+        <p:nvSpPr>
+          <p:cNvPr id="3" name="Content Placeholder 2">
+            <a:extLst>
+              <a:ext uri="{FF2B5EF4-FFF2-40B4-BE49-F238E27FC236}">
+                <a16:creationId xmlns:a16="http://schemas.microsoft.com/office/drawing/2014/main" id="{0E2C0891-4B32-1A4F-8D02-18AA70591A99}"/>
+              </a:ext>
+            </a:extLst>
+          </p:cNvPr>
+          <p:cNvSpPr>
+            <a:spLocks noGrp="1"/>
+          </p:cNvSpPr>
+          <p:nvPr>
+            <p:ph idx="1"/>
+          </p:nvPr>
+        </p:nvSpPr>
+        <p:spPr/>
+        <p:txBody>
+          <a:bodyPr/>
+          <a:lstStyle/>
+          <a:p>
+            <a:endParaRPr lang="en-AU"/>
+          </a:p>
+        </p:txBody>
+      </p:sp>
     </p:spTree>
     <p:extLst>
       <p:ext uri="{BB962C8B-B14F-4D97-AF65-F5344CB8AC3E}">
@@ -4489,6 +4738,56 @@
           <a:chExt cx="0" cy="0"/>
         </a:xfrm>
       </p:grpSpPr>
+      <p:sp>
+        <p:nvSpPr>
+          <p:cNvPr id="2" name="Title 1">
+            <a:extLst>
+              <a:ext uri="{FF2B5EF4-FFF2-40B4-BE49-F238E27FC236}">
+                <a16:creationId xmlns:a16="http://schemas.microsoft.com/office/drawing/2014/main" id="{18B8EB60-1DB3-664A-9597-BFECE21A72D5}"/>
+              </a:ext>
+            </a:extLst>
+          </p:cNvPr>
+          <p:cNvSpPr>
+            <a:spLocks noGrp="1"/>
+          </p:cNvSpPr>
+          <p:nvPr>
+            <p:ph type="title"/>
+          </p:nvPr>
+        </p:nvSpPr>
+        <p:spPr/>
+        <p:txBody>
+          <a:bodyPr/>
+          <a:lstStyle/>
+          <a:p>
+            <a:endParaRPr lang="en-AU"/>
+          </a:p>
+        </p:txBody>
+      </p:sp>
+      <p:sp>
+        <p:nvSpPr>
+          <p:cNvPr id="3" name="Content Placeholder 2">
+            <a:extLst>
+              <a:ext uri="{FF2B5EF4-FFF2-40B4-BE49-F238E27FC236}">
+                <a16:creationId xmlns:a16="http://schemas.microsoft.com/office/drawing/2014/main" id="{655B0EDD-ACC0-A44C-8940-8B5BFD0E4565}"/>
+              </a:ext>
+            </a:extLst>
+          </p:cNvPr>
+          <p:cNvSpPr>
+            <a:spLocks noGrp="1"/>
+          </p:cNvSpPr>
+          <p:nvPr>
+            <p:ph idx="1"/>
+          </p:nvPr>
+        </p:nvSpPr>
+        <p:spPr/>
+        <p:txBody>
+          <a:bodyPr/>
+          <a:lstStyle/>
+          <a:p>
+            <a:endParaRPr lang="en-AU"/>
+          </a:p>
+        </p:txBody>
+      </p:sp>
     </p:spTree>
     <p:extLst>
       <p:ext uri="{BB962C8B-B14F-4D97-AF65-F5344CB8AC3E}">
@@ -4908,36 +5207,6 @@
           </a:p>
         </p:txBody>
       </p:sp>
-      <p:pic>
-        <p:nvPicPr>
-          <p:cNvPr id="5" name="Picture 4">
-            <a:extLst>
-              <a:ext uri="{FF2B5EF4-FFF2-40B4-BE49-F238E27FC236}">
-                <a16:creationId xmlns:a16="http://schemas.microsoft.com/office/drawing/2014/main" id="{31C14638-6884-464E-A053-AD1F77FFBB4A}"/>
-              </a:ext>
-            </a:extLst>
-          </p:cNvPr>
-          <p:cNvPicPr>
-            <a:picLocks noChangeAspect="1"/>
-          </p:cNvPicPr>
-          <p:nvPr/>
-        </p:nvPicPr>
-        <p:blipFill>
-          <a:blip r:embed="rId2"/>
-          <a:stretch>
-            <a:fillRect/>
-          </a:stretch>
-        </p:blipFill>
-        <p:spPr>
-          <a:xfrm>
-            <a:off x="1" y="1"/>
-            <a:ext cx="1290918" cy="968188"/>
-          </a:xfrm>
-          <a:prstGeom prst="rect">
-            <a:avLst/>
-          </a:prstGeom>
-        </p:spPr>
-      </p:pic>
     </p:spTree>
     <p:extLst>
       <p:ext uri="{BB962C8B-B14F-4D97-AF65-F5344CB8AC3E}">
@@ -5533,36 +5802,6 @@
           </a:p>
         </p:txBody>
       </p:sp>
-      <p:pic>
-        <p:nvPicPr>
-          <p:cNvPr id="3" name="Picture 2">
-            <a:extLst>
-              <a:ext uri="{FF2B5EF4-FFF2-40B4-BE49-F238E27FC236}">
-                <a16:creationId xmlns:a16="http://schemas.microsoft.com/office/drawing/2014/main" id="{AEA627DB-4AD9-E348-99EF-296379607D5F}"/>
-              </a:ext>
-            </a:extLst>
-          </p:cNvPr>
-          <p:cNvPicPr>
-            <a:picLocks noChangeAspect="1"/>
-          </p:cNvPicPr>
-          <p:nvPr/>
-        </p:nvPicPr>
-        <p:blipFill>
-          <a:blip r:embed="rId2"/>
-          <a:stretch>
-            <a:fillRect/>
-          </a:stretch>
-        </p:blipFill>
-        <p:spPr>
-          <a:xfrm>
-            <a:off x="1" y="1"/>
-            <a:ext cx="1290918" cy="968188"/>
-          </a:xfrm>
-          <a:prstGeom prst="rect">
-            <a:avLst/>
-          </a:prstGeom>
-        </p:spPr>
-      </p:pic>
     </p:spTree>
     <p:extLst>
       <p:ext uri="{BB962C8B-B14F-4D97-AF65-F5344CB8AC3E}">
@@ -6862,36 +7101,6 @@
           </a:graphicData>
         </a:graphic>
       </p:graphicFrame>
-      <p:pic>
-        <p:nvPicPr>
-          <p:cNvPr id="7" name="Picture 6">
-            <a:extLst>
-              <a:ext uri="{FF2B5EF4-FFF2-40B4-BE49-F238E27FC236}">
-                <a16:creationId xmlns:a16="http://schemas.microsoft.com/office/drawing/2014/main" id="{14538F37-E7E1-E441-BD11-2DACBE006E52}"/>
-              </a:ext>
-            </a:extLst>
-          </p:cNvPr>
-          <p:cNvPicPr>
-            <a:picLocks noChangeAspect="1"/>
-          </p:cNvPicPr>
-          <p:nvPr/>
-        </p:nvPicPr>
-        <p:blipFill>
-          <a:blip r:embed="rId2"/>
-          <a:stretch>
-            <a:fillRect/>
-          </a:stretch>
-        </p:blipFill>
-        <p:spPr>
-          <a:xfrm>
-            <a:off x="1" y="1"/>
-            <a:ext cx="1290918" cy="968188"/>
-          </a:xfrm>
-          <a:prstGeom prst="rect">
-            <a:avLst/>
-          </a:prstGeom>
-        </p:spPr>
-      </p:pic>
     </p:spTree>
     <p:extLst>
       <p:ext uri="{BB962C8B-B14F-4D97-AF65-F5344CB8AC3E}">
@@ -7222,36 +7431,6 @@
           </a:prstGeom>
         </p:spPr>
       </p:pic>
-      <p:pic>
-        <p:nvPicPr>
-          <p:cNvPr id="10" name="Picture 9">
-            <a:extLst>
-              <a:ext uri="{FF2B5EF4-FFF2-40B4-BE49-F238E27FC236}">
-                <a16:creationId xmlns:a16="http://schemas.microsoft.com/office/drawing/2014/main" id="{279CB2D8-214F-3745-8705-F611B6A7E458}"/>
-              </a:ext>
-            </a:extLst>
-          </p:cNvPr>
-          <p:cNvPicPr>
-            <a:picLocks noChangeAspect="1"/>
-          </p:cNvPicPr>
-          <p:nvPr/>
-        </p:nvPicPr>
-        <p:blipFill>
-          <a:blip r:embed="rId3"/>
-          <a:stretch>
-            <a:fillRect/>
-          </a:stretch>
-        </p:blipFill>
-        <p:spPr>
-          <a:xfrm>
-            <a:off x="1" y="1"/>
-            <a:ext cx="1290918" cy="968188"/>
-          </a:xfrm>
-          <a:prstGeom prst="rect">
-            <a:avLst/>
-          </a:prstGeom>
-        </p:spPr>
-      </p:pic>
     </p:spTree>
     <p:extLst>
       <p:ext uri="{BB962C8B-B14F-4D97-AF65-F5344CB8AC3E}">
@@ -7378,36 +7557,6 @@
           <a:xfrm>
             <a:off x="927846" y="1028472"/>
             <a:ext cx="10536892" cy="5403534"/>
-          </a:xfrm>
-          <a:prstGeom prst="rect">
-            <a:avLst/>
-          </a:prstGeom>
-        </p:spPr>
-      </p:pic>
-      <p:pic>
-        <p:nvPicPr>
-          <p:cNvPr id="4" name="Picture 3">
-            <a:extLst>
-              <a:ext uri="{FF2B5EF4-FFF2-40B4-BE49-F238E27FC236}">
-                <a16:creationId xmlns:a16="http://schemas.microsoft.com/office/drawing/2014/main" id="{63FEADDB-D192-8C47-9544-900A899720BA}"/>
-              </a:ext>
-            </a:extLst>
-          </p:cNvPr>
-          <p:cNvPicPr>
-            <a:picLocks noChangeAspect="1"/>
-          </p:cNvPicPr>
-          <p:nvPr/>
-        </p:nvPicPr>
-        <p:blipFill>
-          <a:blip r:embed="rId3"/>
-          <a:stretch>
-            <a:fillRect/>
-          </a:stretch>
-        </p:blipFill>
-        <p:spPr>
-          <a:xfrm>
-            <a:off x="1" y="1"/>
-            <a:ext cx="1290918" cy="968188"/>
           </a:xfrm>
           <a:prstGeom prst="rect">
             <a:avLst/>
@@ -7454,10 +7603,10 @@
       </p:grpSpPr>
       <p:pic>
         <p:nvPicPr>
-          <p:cNvPr id="2" name="Picture 1">
-            <a:extLst>
-              <a:ext uri="{FF2B5EF4-FFF2-40B4-BE49-F238E27FC236}">
-                <a16:creationId xmlns:a16="http://schemas.microsoft.com/office/drawing/2014/main" id="{FE932AA3-DA31-8B49-97BC-2819B9D07791}"/>
+          <p:cNvPr id="4" name="Picture 3">
+            <a:extLst>
+              <a:ext uri="{FF2B5EF4-FFF2-40B4-BE49-F238E27FC236}">
+                <a16:creationId xmlns:a16="http://schemas.microsoft.com/office/drawing/2014/main" id="{9C817F1C-DA42-FF4B-8840-04DA46D00EE4}"/>
               </a:ext>
             </a:extLst>
           </p:cNvPr>
@@ -7468,36 +7617,6 @@
         </p:nvPicPr>
         <p:blipFill>
           <a:blip r:embed="rId2"/>
-          <a:stretch>
-            <a:fillRect/>
-          </a:stretch>
-        </p:blipFill>
-        <p:spPr>
-          <a:xfrm>
-            <a:off x="1" y="1"/>
-            <a:ext cx="1290918" cy="968188"/>
-          </a:xfrm>
-          <a:prstGeom prst="rect">
-            <a:avLst/>
-          </a:prstGeom>
-        </p:spPr>
-      </p:pic>
-      <p:pic>
-        <p:nvPicPr>
-          <p:cNvPr id="4" name="Picture 3">
-            <a:extLst>
-              <a:ext uri="{FF2B5EF4-FFF2-40B4-BE49-F238E27FC236}">
-                <a16:creationId xmlns:a16="http://schemas.microsoft.com/office/drawing/2014/main" id="{9C817F1C-DA42-FF4B-8840-04DA46D00EE4}"/>
-              </a:ext>
-            </a:extLst>
-          </p:cNvPr>
-          <p:cNvPicPr>
-            <a:picLocks noChangeAspect="1"/>
-          </p:cNvPicPr>
-          <p:nvPr/>
-        </p:nvPicPr>
-        <p:blipFill>
-          <a:blip r:embed="rId3"/>
           <a:stretch>
             <a:fillRect/>
           </a:stretch>

--- a/a-presentation/rails_app_presentation.pptx
+++ b/a-presentation/rails_app_presentation.pptx
@@ -5,28 +5,25 @@
     <p:sldMasterId id="2147483648" r:id="rId1"/>
   </p:sldMasterIdLst>
   <p:notesMasterIdLst>
-    <p:notesMasterId r:id="rId18"/>
+    <p:notesMasterId r:id="rId15"/>
   </p:notesMasterIdLst>
   <p:handoutMasterIdLst>
-    <p:handoutMasterId r:id="rId19"/>
+    <p:handoutMasterId r:id="rId16"/>
   </p:handoutMasterIdLst>
   <p:sldIdLst>
     <p:sldId id="256" r:id="rId2"/>
-    <p:sldId id="261" r:id="rId3"/>
-    <p:sldId id="262" r:id="rId4"/>
-    <p:sldId id="260" r:id="rId5"/>
-    <p:sldId id="263" r:id="rId6"/>
-    <p:sldId id="257" r:id="rId7"/>
-    <p:sldId id="258" r:id="rId8"/>
-    <p:sldId id="264" r:id="rId9"/>
-    <p:sldId id="265" r:id="rId10"/>
-    <p:sldId id="266" r:id="rId11"/>
-    <p:sldId id="269" r:id="rId12"/>
-    <p:sldId id="267" r:id="rId13"/>
-    <p:sldId id="270" r:id="rId14"/>
-    <p:sldId id="268" r:id="rId15"/>
-    <p:sldId id="271" r:id="rId16"/>
-    <p:sldId id="259" r:id="rId17"/>
+    <p:sldId id="262" r:id="rId3"/>
+    <p:sldId id="260" r:id="rId4"/>
+    <p:sldId id="263" r:id="rId5"/>
+    <p:sldId id="257" r:id="rId6"/>
+    <p:sldId id="258" r:id="rId7"/>
+    <p:sldId id="264" r:id="rId8"/>
+    <p:sldId id="265" r:id="rId9"/>
+    <p:sldId id="266" r:id="rId10"/>
+    <p:sldId id="269" r:id="rId11"/>
+    <p:sldId id="267" r:id="rId12"/>
+    <p:sldId id="270" r:id="rId13"/>
+    <p:sldId id="268" r:id="rId14"/>
   </p:sldIdLst>
   <p:sldSz cx="12192000" cy="6858000"/>
   <p:notesSz cx="6858000" cy="9144000"/>
@@ -125,6 +122,14 @@
       </a:defRPr>
     </a:lvl9pPr>
   </p:defaultTextStyle>
+  <p:extLst>
+    <p:ext uri="{EFAFB233-063F-42B5-8137-9DF3F51BA10A}">
+      <p15:sldGuideLst xmlns:p15="http://schemas.microsoft.com/office/powerpoint/2012/main"/>
+    </p:ext>
+    <p:ext uri="{2D200454-40CA-4A62-9FC3-DE9A4176ACB9}">
+      <p15:notesGuideLst xmlns:p15="http://schemas.microsoft.com/office/powerpoint/2012/main"/>
+    </p:ext>
+  </p:extLst>
 </p:presentation>
 </file>
 
@@ -222,7 +227,7 @@
           <a:p>
             <a:fld id="{3564AB0F-F73D-7847-9F1F-5D006B0C37C4}" type="datetimeFigureOut">
               <a:rPr lang="en-US" smtClean="0"/>
-              <a:t>5/11/19</a:t>
+              <a:t>5/12/19</a:t>
             </a:fld>
             <a:endParaRPr lang="en-US"/>
           </a:p>
@@ -399,7 +404,7 @@
           <a:p>
             <a:fld id="{915AD2FE-E58F-ED41-801D-E5A3211637DC}" type="datetimeFigureOut">
               <a:rPr lang="en-US" smtClean="0"/>
-              <a:t>5/11/19</a:t>
+              <a:t>5/12/19</a:t>
             </a:fld>
             <a:endParaRPr lang="en-US"/>
           </a:p>
@@ -813,7 +818,7 @@
           <a:p>
             <a:fld id="{9618C56C-3994-EE4F-A092-9E049A8DA68C}" type="datetimeFigureOut">
               <a:rPr lang="en-US" smtClean="0"/>
-              <a:t>5/11/19</a:t>
+              <a:t>5/12/19</a:t>
             </a:fld>
             <a:endParaRPr lang="en-US"/>
           </a:p>
@@ -1011,7 +1016,7 @@
           <a:p>
             <a:fld id="{9618C56C-3994-EE4F-A092-9E049A8DA68C}" type="datetimeFigureOut">
               <a:rPr lang="en-US" smtClean="0"/>
-              <a:t>5/11/19</a:t>
+              <a:t>5/12/19</a:t>
             </a:fld>
             <a:endParaRPr lang="en-US"/>
           </a:p>
@@ -1219,7 +1224,7 @@
           <a:p>
             <a:fld id="{9618C56C-3994-EE4F-A092-9E049A8DA68C}" type="datetimeFigureOut">
               <a:rPr lang="en-US" smtClean="0"/>
-              <a:t>5/11/19</a:t>
+              <a:t>5/12/19</a:t>
             </a:fld>
             <a:endParaRPr lang="en-US"/>
           </a:p>
@@ -1463,7 +1468,7 @@
           <a:p>
             <a:fld id="{9618C56C-3994-EE4F-A092-9E049A8DA68C}" type="datetimeFigureOut">
               <a:rPr lang="en-US" smtClean="0"/>
-              <a:t>5/11/19</a:t>
+              <a:t>5/12/19</a:t>
             </a:fld>
             <a:endParaRPr lang="en-US"/>
           </a:p>
@@ -1738,7 +1743,7 @@
           <a:p>
             <a:fld id="{9618C56C-3994-EE4F-A092-9E049A8DA68C}" type="datetimeFigureOut">
               <a:rPr lang="en-US" smtClean="0"/>
-              <a:t>5/11/19</a:t>
+              <a:t>5/12/19</a:t>
             </a:fld>
             <a:endParaRPr lang="en-US"/>
           </a:p>
@@ -2003,7 +2008,7 @@
           <a:p>
             <a:fld id="{9618C56C-3994-EE4F-A092-9E049A8DA68C}" type="datetimeFigureOut">
               <a:rPr lang="en-US" smtClean="0"/>
-              <a:t>5/11/19</a:t>
+              <a:t>5/12/19</a:t>
             </a:fld>
             <a:endParaRPr lang="en-US"/>
           </a:p>
@@ -2415,7 +2420,7 @@
           <a:p>
             <a:fld id="{9618C56C-3994-EE4F-A092-9E049A8DA68C}" type="datetimeFigureOut">
               <a:rPr lang="en-US" smtClean="0"/>
-              <a:t>5/11/19</a:t>
+              <a:t>5/12/19</a:t>
             </a:fld>
             <a:endParaRPr lang="en-US"/>
           </a:p>
@@ -2556,7 +2561,7 @@
           <a:p>
             <a:fld id="{9618C56C-3994-EE4F-A092-9E049A8DA68C}" type="datetimeFigureOut">
               <a:rPr lang="en-US" smtClean="0"/>
-              <a:t>5/11/19</a:t>
+              <a:t>5/12/19</a:t>
             </a:fld>
             <a:endParaRPr lang="en-US"/>
           </a:p>
@@ -2980,7 +2985,7 @@
           <a:p>
             <a:fld id="{9618C56C-3994-EE4F-A092-9E049A8DA68C}" type="datetimeFigureOut">
               <a:rPr lang="en-US" smtClean="0"/>
-              <a:t>5/11/19</a:t>
+              <a:t>5/12/19</a:t>
             </a:fld>
             <a:endParaRPr lang="en-US"/>
           </a:p>
@@ -3268,7 +3273,7 @@
           <a:p>
             <a:fld id="{9618C56C-3994-EE4F-A092-9E049A8DA68C}" type="datetimeFigureOut">
               <a:rPr lang="en-US" smtClean="0"/>
-              <a:t>5/11/19</a:t>
+              <a:t>5/12/19</a:t>
             </a:fld>
             <a:endParaRPr lang="en-US"/>
           </a:p>
@@ -4159,6 +4164,131 @@
     <p:bg>
       <p:bgPr>
         <a:solidFill>
+          <a:srgbClr val="F8803B"/>
+        </a:solidFill>
+        <a:effectLst/>
+      </p:bgPr>
+    </p:bg>
+    <p:spTree>
+      <p:nvGrpSpPr>
+        <p:cNvPr id="1" name=""/>
+        <p:cNvGrpSpPr/>
+        <p:nvPr/>
+      </p:nvGrpSpPr>
+      <p:grpSpPr>
+        <a:xfrm>
+          <a:off x="0" y="0"/>
+          <a:ext cx="0" cy="0"/>
+          <a:chOff x="0" y="0"/>
+          <a:chExt cx="0" cy="0"/>
+        </a:xfrm>
+      </p:grpSpPr>
+      <p:sp>
+        <p:nvSpPr>
+          <p:cNvPr id="3" name="Title 2">
+            <a:extLst>
+              <a:ext uri="{FF2B5EF4-FFF2-40B4-BE49-F238E27FC236}">
+                <a16:creationId xmlns:a16="http://schemas.microsoft.com/office/drawing/2014/main" id="{2C5DBEDC-68C9-7F4B-B7CB-0B1279BE56DC}"/>
+              </a:ext>
+            </a:extLst>
+          </p:cNvPr>
+          <p:cNvSpPr>
+            <a:spLocks noGrp="1"/>
+          </p:cNvSpPr>
+          <p:nvPr>
+            <p:ph type="title"/>
+          </p:nvPr>
+        </p:nvSpPr>
+        <p:spPr/>
+        <p:txBody>
+          <a:bodyPr/>
+          <a:lstStyle/>
+          <a:p>
+            <a:r>
+              <a:rPr lang="en-AU" b="0" dirty="0"/>
+              <a:t>development/build process</a:t>
+            </a:r>
+            <a:endParaRPr lang="en-AU" dirty="0"/>
+          </a:p>
+        </p:txBody>
+      </p:sp>
+      <p:sp>
+        <p:nvSpPr>
+          <p:cNvPr id="4" name="Content Placeholder 3">
+            <a:extLst>
+              <a:ext uri="{FF2B5EF4-FFF2-40B4-BE49-F238E27FC236}">
+                <a16:creationId xmlns:a16="http://schemas.microsoft.com/office/drawing/2014/main" id="{7A009E55-3400-2D48-82AF-71A9137B29C1}"/>
+              </a:ext>
+            </a:extLst>
+          </p:cNvPr>
+          <p:cNvSpPr>
+            <a:spLocks noGrp="1"/>
+          </p:cNvSpPr>
+          <p:nvPr>
+            <p:ph idx="1"/>
+          </p:nvPr>
+        </p:nvSpPr>
+        <p:spPr>
+          <a:xfrm>
+            <a:off x="849217" y="1529908"/>
+            <a:ext cx="10515600" cy="4944511"/>
+          </a:xfrm>
+        </p:spPr>
+        <p:txBody>
+          <a:bodyPr/>
+          <a:lstStyle/>
+          <a:p>
+            <a:r>
+              <a:rPr lang="en-AU" dirty="0"/>
+              <a:t>Development/build process/design</a:t>
+            </a:r>
+          </a:p>
+          <a:p>
+            <a:pPr lvl="1"/>
+            <a:r>
+              <a:rPr lang="en-AU" dirty="0"/>
+              <a:t>Design was kept simplistic and as minimal as possible</a:t>
+            </a:r>
+          </a:p>
+          <a:p>
+            <a:pPr lvl="1"/>
+            <a:r>
+              <a:rPr lang="en-AU" dirty="0"/>
+              <a:t>Emphasis was placed on create a familiar and intuitive user experience</a:t>
+            </a:r>
+          </a:p>
+          <a:p>
+            <a:pPr lvl="1"/>
+            <a:r>
+              <a:rPr lang="en-AU" dirty="0"/>
+              <a:t>Some images were used to liven up certain pages (as seen in sign up pages)</a:t>
+            </a:r>
+          </a:p>
+          <a:p>
+            <a:pPr lvl="1"/>
+            <a:endParaRPr lang="en-AU" dirty="0"/>
+          </a:p>
+        </p:txBody>
+      </p:sp>
+    </p:spTree>
+    <p:extLst>
+      <p:ext uri="{BB962C8B-B14F-4D97-AF65-F5344CB8AC3E}">
+        <p14:creationId xmlns:p14="http://schemas.microsoft.com/office/powerpoint/2010/main" val="268022364"/>
+      </p:ext>
+    </p:extLst>
+  </p:cSld>
+  <p:clrMapOvr>
+    <a:masterClrMapping/>
+  </p:clrMapOvr>
+</p:sld>
+</file>
+
+<file path=ppt/slides/slide11.xml><?xml version="1.0" encoding="utf-8"?>
+<p:sld xmlns:a="http://schemas.openxmlformats.org/drawingml/2006/main" xmlns:r="http://schemas.openxmlformats.org/officeDocument/2006/relationships" xmlns:p="http://schemas.openxmlformats.org/presentationml/2006/main">
+  <p:cSld>
+    <p:bg>
+      <p:bgPr>
+        <a:solidFill>
           <a:srgbClr val="252F34"/>
         </a:solidFill>
         <a:effectLst/>
@@ -4180,10 +4310,10 @@
       </p:grpSpPr>
       <p:sp>
         <p:nvSpPr>
-          <p:cNvPr id="4" name="Title 3">
-            <a:extLst>
-              <a:ext uri="{FF2B5EF4-FFF2-40B4-BE49-F238E27FC236}">
-                <a16:creationId xmlns:a16="http://schemas.microsoft.com/office/drawing/2014/main" id="{38C4DFF6-F3D7-E046-921E-458B981F16C5}"/>
+          <p:cNvPr id="3" name="Title 2">
+            <a:extLst>
+              <a:ext uri="{FF2B5EF4-FFF2-40B4-BE49-F238E27FC236}">
+                <a16:creationId xmlns:a16="http://schemas.microsoft.com/office/drawing/2014/main" id="{981098F3-151F-EE4C-9AF4-44226229FA3B}"/>
               </a:ext>
             </a:extLst>
           </p:cNvPr>
@@ -4192,45 +4322,6 @@
           </p:cNvSpPr>
           <p:nvPr>
             <p:ph type="title"/>
-          </p:nvPr>
-        </p:nvSpPr>
-        <p:spPr/>
-        <p:txBody>
-          <a:bodyPr>
-            <a:noAutofit/>
-          </a:bodyPr>
-          <a:lstStyle/>
-          <a:p>
-            <a:r>
-              <a:rPr lang="en-AU" sz="3200" b="0" dirty="0">
-                <a:solidFill>
-                  <a:srgbClr val="F8803B"/>
-                </a:solidFill>
-              </a:rPr>
-              <a:t>review of your development/build process including challenges, ethical issues, favourite parts, etc</a:t>
-            </a:r>
-            <a:endParaRPr lang="en-US" sz="3200" b="0" dirty="0">
-              <a:solidFill>
-                <a:srgbClr val="F8803B"/>
-              </a:solidFill>
-            </a:endParaRPr>
-          </a:p>
-        </p:txBody>
-      </p:sp>
-      <p:sp>
-        <p:nvSpPr>
-          <p:cNvPr id="5" name="Content Placeholder 4">
-            <a:extLst>
-              <a:ext uri="{FF2B5EF4-FFF2-40B4-BE49-F238E27FC236}">
-                <a16:creationId xmlns:a16="http://schemas.microsoft.com/office/drawing/2014/main" id="{E7CF3575-1919-9D48-80EE-B93267147357}"/>
-              </a:ext>
-            </a:extLst>
-          </p:cNvPr>
-          <p:cNvSpPr>
-            <a:spLocks noGrp="1"/>
-          </p:cNvSpPr>
-          <p:nvPr>
-            <p:ph idx="1"/>
           </p:nvPr>
         </p:nvSpPr>
         <p:spPr/>
@@ -4238,80 +4329,32 @@
           <a:bodyPr/>
           <a:lstStyle/>
           <a:p>
-            <a:r>
-              <a:rPr lang="en-US" dirty="0">
-                <a:solidFill>
-                  <a:srgbClr val="F8803B"/>
-                </a:solidFill>
-              </a:rPr>
-              <a:t>Challenges</a:t>
-            </a:r>
-          </a:p>
-          <a:p>
-            <a:pPr lvl="1"/>
-            <a:r>
-              <a:rPr lang="en-US" dirty="0">
-                <a:solidFill>
-                  <a:srgbClr val="F8803B"/>
-                </a:solidFill>
-              </a:rPr>
-              <a:t>GitHub</a:t>
-            </a:r>
-          </a:p>
-          <a:p>
-            <a:pPr lvl="1"/>
-            <a:r>
-              <a:rPr lang="en-US" dirty="0">
-                <a:solidFill>
-                  <a:srgbClr val="F8803B"/>
-                </a:solidFill>
-              </a:rPr>
-              <a:t>Bootstrap</a:t>
-            </a:r>
-          </a:p>
-          <a:p>
-            <a:pPr lvl="1"/>
-            <a:r>
-              <a:rPr lang="en-US" dirty="0">
-                <a:solidFill>
-                  <a:srgbClr val="F8803B"/>
-                </a:solidFill>
-              </a:rPr>
-              <a:t>Devise – configuring 2 models</a:t>
-            </a:r>
-          </a:p>
-          <a:p>
-            <a:pPr lvl="1"/>
-            <a:endParaRPr lang="en-US" dirty="0">
-              <a:solidFill>
-                <a:srgbClr val="F8803B"/>
-              </a:solidFill>
-            </a:endParaRPr>
-          </a:p>
-          <a:p>
-            <a:r>
-              <a:rPr lang="en-US" dirty="0">
-                <a:solidFill>
-                  <a:srgbClr val="F8803B"/>
-                </a:solidFill>
-              </a:rPr>
-              <a:t>Satisfaction</a:t>
-            </a:r>
-          </a:p>
-          <a:p>
-            <a:pPr lvl="1"/>
-            <a:r>
-              <a:rPr lang="en-US" dirty="0">
-                <a:solidFill>
-                  <a:srgbClr val="F8803B"/>
-                </a:solidFill>
-              </a:rPr>
-              <a:t>💡 How to retrieve data from related database tables</a:t>
-            </a:r>
-          </a:p>
-          <a:p>
-            <a:pPr lvl="1"/>
-            <a:endParaRPr lang="en-US" dirty="0">
+            <a:endParaRPr lang="en-AU"/>
+          </a:p>
+        </p:txBody>
+      </p:sp>
+      <p:sp>
+        <p:nvSpPr>
+          <p:cNvPr id="4" name="Content Placeholder 3">
+            <a:extLst>
+              <a:ext uri="{FF2B5EF4-FFF2-40B4-BE49-F238E27FC236}">
+                <a16:creationId xmlns:a16="http://schemas.microsoft.com/office/drawing/2014/main" id="{04B41969-E457-214B-8637-7963136EC2E0}"/>
+              </a:ext>
+            </a:extLst>
+          </p:cNvPr>
+          <p:cNvSpPr>
+            <a:spLocks noGrp="1"/>
+          </p:cNvSpPr>
+          <p:nvPr>
+            <p:ph idx="1"/>
+          </p:nvPr>
+        </p:nvSpPr>
+        <p:spPr/>
+        <p:txBody>
+          <a:bodyPr/>
+          <a:lstStyle/>
+          <a:p>
+            <a:endParaRPr lang="en-AU" dirty="0">
               <a:solidFill>
                 <a:srgbClr val="F8803B"/>
               </a:solidFill>
@@ -4324,26 +4367,22 @@
                   <a:srgbClr val="F8803B"/>
                 </a:solidFill>
               </a:rPr>
-              <a:t>Favourite</a:t>
-            </a:r>
-            <a:r>
-              <a:rPr lang="en-US" dirty="0">
+              <a:t>Ethical issues</a:t>
+            </a:r>
+          </a:p>
+          <a:p>
+            <a:pPr lvl="1">
+              <a:lnSpc>
+                <a:spcPct val="100000"/>
+              </a:lnSpc>
+            </a:pPr>
+            <a:r>
+              <a:rPr lang="en-AU" dirty="0">
                 <a:solidFill>
                   <a:srgbClr val="F8803B"/>
                 </a:solidFill>
               </a:rPr>
-              <a:t> parts</a:t>
-            </a:r>
-          </a:p>
-          <a:p>
-            <a:pPr lvl="1"/>
-            <a:r>
-              <a:rPr lang="en-US" dirty="0">
-                <a:solidFill>
-                  <a:srgbClr val="F8803B"/>
-                </a:solidFill>
-              </a:rPr>
-              <a:t>debugging</a:t>
+              <a:t>One issue that may arise within the Catering Combined application (and any two-sided marketplace application, for that matter) is the chance that users will misuse the service by either failing to provide adequate services as was advertised or not providing them entirely. These problems are largely mitigated by larger corporate marketplaces (such as eBay) through harsh disciplinary action against fraudulent users as well as fail-safes to ensure that users who are subject to malicious activity are refunded or otherwise compensated</a:t>
             </a:r>
           </a:p>
         </p:txBody>
@@ -4351,7 +4390,7 @@
     </p:spTree>
     <p:extLst>
       <p:ext uri="{BB962C8B-B14F-4D97-AF65-F5344CB8AC3E}">
-        <p14:creationId xmlns:p14="http://schemas.microsoft.com/office/powerpoint/2010/main" val="3815361700"/>
+        <p14:creationId xmlns:p14="http://schemas.microsoft.com/office/powerpoint/2010/main" val="2153223428"/>
       </p:ext>
     </p:extLst>
   </p:cSld>
@@ -4361,7 +4400,7 @@
 </p:sld>
 </file>
 
-<file path=ppt/slides/slide11.xml><?xml version="1.0" encoding="utf-8"?>
+<file path=ppt/slides/slide12.xml><?xml version="1.0" encoding="utf-8"?>
 <p:sld xmlns:a="http://schemas.openxmlformats.org/drawingml/2006/main" xmlns:r="http://schemas.openxmlformats.org/officeDocument/2006/relationships" xmlns:p="http://schemas.openxmlformats.org/presentationml/2006/main">
   <p:cSld>
     <p:bg>
@@ -4388,10 +4427,10 @@
       </p:grpSpPr>
       <p:sp>
         <p:nvSpPr>
-          <p:cNvPr id="3" name="Title 2">
-            <a:extLst>
-              <a:ext uri="{FF2B5EF4-FFF2-40B4-BE49-F238E27FC236}">
-                <a16:creationId xmlns:a16="http://schemas.microsoft.com/office/drawing/2014/main" id="{2C5DBEDC-68C9-7F4B-B7CB-0B1279BE56DC}"/>
+          <p:cNvPr id="2" name="Title 1">
+            <a:extLst>
+              <a:ext uri="{FF2B5EF4-FFF2-40B4-BE49-F238E27FC236}">
+                <a16:creationId xmlns:a16="http://schemas.microsoft.com/office/drawing/2014/main" id="{B7D54F68-3A8B-F749-92B3-C6D7894B879D}"/>
               </a:ext>
             </a:extLst>
           </p:cNvPr>
@@ -4413,10 +4452,10 @@
       </p:sp>
       <p:sp>
         <p:nvSpPr>
-          <p:cNvPr id="4" name="Content Placeholder 3">
-            <a:extLst>
-              <a:ext uri="{FF2B5EF4-FFF2-40B4-BE49-F238E27FC236}">
-                <a16:creationId xmlns:a16="http://schemas.microsoft.com/office/drawing/2014/main" id="{7A009E55-3400-2D48-82AF-71A9137B29C1}"/>
+          <p:cNvPr id="3" name="Content Placeholder 2">
+            <a:extLst>
+              <a:ext uri="{FF2B5EF4-FFF2-40B4-BE49-F238E27FC236}">
+                <a16:creationId xmlns:a16="http://schemas.microsoft.com/office/drawing/2014/main" id="{0C365F9B-9159-4B4B-BA8F-538336383D4F}"/>
               </a:ext>
             </a:extLst>
           </p:cNvPr>
@@ -4427,19 +4466,58 @@
             <p:ph idx="1"/>
           </p:nvPr>
         </p:nvSpPr>
-        <p:spPr/>
+        <p:spPr>
+          <a:xfrm>
+            <a:off x="805149" y="1397705"/>
+            <a:ext cx="10515600" cy="4944511"/>
+          </a:xfrm>
+        </p:spPr>
         <p:txBody>
           <a:bodyPr/>
           <a:lstStyle/>
           <a:p>
-            <a:endParaRPr lang="en-AU"/>
+            <a:pPr>
+              <a:lnSpc>
+                <a:spcPct val="100000"/>
+              </a:lnSpc>
+            </a:pPr>
+            <a:r>
+              <a:rPr lang="en-AU" dirty="0"/>
+              <a:t>Favourite</a:t>
+            </a:r>
+            <a:r>
+              <a:rPr lang="en-US" dirty="0"/>
+              <a:t> parts</a:t>
+            </a:r>
+          </a:p>
+          <a:p>
+            <a:pPr lvl="1">
+              <a:lnSpc>
+                <a:spcPct val="100000"/>
+              </a:lnSpc>
+            </a:pPr>
+            <a:r>
+              <a:rPr lang="en-US" dirty="0"/>
+              <a:t>debugging</a:t>
+            </a:r>
+          </a:p>
+          <a:p>
+            <a:pPr lvl="1">
+              <a:lnSpc>
+                <a:spcPct val="100000"/>
+              </a:lnSpc>
+            </a:pPr>
+            <a:r>
+              <a:rPr lang="en-AU" dirty="0"/>
+              <a:t>feeling like it was possible for me to create a fully working application; while I would've liked to have spent more time on the styling and other visual features of the application, I'm pleased with the functionality of the application thus far</a:t>
+            </a:r>
           </a:p>
         </p:txBody>
       </p:sp>
     </p:spTree>
     <p:extLst>
       <p:ext uri="{BB962C8B-B14F-4D97-AF65-F5344CB8AC3E}">
-        <p14:creationId xmlns:p14="http://schemas.microsoft.com/office/powerpoint/2010/main" val="268022364"/>
+        <p14:creationId xmlns:p14="http://schemas.microsoft.com/office/powerpoint/2010/main" val="3983128667"/>
       </p:ext>
     </p:extLst>
   </p:cSld>
@@ -4449,7 +4527,7 @@
 </p:sld>
 </file>
 
-<file path=ppt/slides/slide12.xml><?xml version="1.0" encoding="utf-8"?>
+<file path=ppt/slides/slide13.xml><?xml version="1.0" encoding="utf-8"?>
 <p:sld xmlns:a="http://schemas.openxmlformats.org/drawingml/2006/main" xmlns:r="http://schemas.openxmlformats.org/officeDocument/2006/relationships" xmlns:p="http://schemas.openxmlformats.org/presentationml/2006/main">
   <p:cSld>
     <p:bg>
@@ -4476,10 +4554,10 @@
       </p:grpSpPr>
       <p:sp>
         <p:nvSpPr>
-          <p:cNvPr id="3" name="Title 2">
-            <a:extLst>
-              <a:ext uri="{FF2B5EF4-FFF2-40B4-BE49-F238E27FC236}">
-                <a16:creationId xmlns:a16="http://schemas.microsoft.com/office/drawing/2014/main" id="{981098F3-151F-EE4C-9AF4-44226229FA3B}"/>
+          <p:cNvPr id="2" name="Title 1">
+            <a:extLst>
+              <a:ext uri="{FF2B5EF4-FFF2-40B4-BE49-F238E27FC236}">
+                <a16:creationId xmlns:a16="http://schemas.microsoft.com/office/drawing/2014/main" id="{6AEBC3FC-3DCF-1046-86A5-D9059409979B}"/>
               </a:ext>
             </a:extLst>
           </p:cNvPr>
@@ -4495,16 +4573,23 @@
           <a:bodyPr/>
           <a:lstStyle/>
           <a:p>
-            <a:endParaRPr lang="en-AU"/>
-          </a:p>
-        </p:txBody>
-      </p:sp>
-      <p:sp>
-        <p:nvSpPr>
-          <p:cNvPr id="4" name="Content Placeholder 3">
-            <a:extLst>
-              <a:ext uri="{FF2B5EF4-FFF2-40B4-BE49-F238E27FC236}">
-                <a16:creationId xmlns:a16="http://schemas.microsoft.com/office/drawing/2014/main" id="{04B41969-E457-214B-8637-7963136EC2E0}"/>
+            <a:r>
+              <a:rPr lang="en-AU" dirty="0">
+                <a:solidFill>
+                  <a:srgbClr val="F8803B"/>
+                </a:solidFill>
+              </a:rPr>
+              <a:t>Thanks</a:t>
+            </a:r>
+          </a:p>
+        </p:txBody>
+      </p:sp>
+      <p:sp>
+        <p:nvSpPr>
+          <p:cNvPr id="3" name="Content Placeholder 2">
+            <a:extLst>
+              <a:ext uri="{FF2B5EF4-FFF2-40B4-BE49-F238E27FC236}">
+                <a16:creationId xmlns:a16="http://schemas.microsoft.com/office/drawing/2014/main" id="{0E2C0891-4B32-1A4F-8D02-18AA70591A99}"/>
               </a:ext>
             </a:extLst>
           </p:cNvPr>
@@ -4515,19 +4600,106 @@
             <p:ph idx="1"/>
           </p:nvPr>
         </p:nvSpPr>
-        <p:spPr/>
+        <p:spPr>
+          <a:xfrm>
+            <a:off x="871250" y="1419739"/>
+            <a:ext cx="10515600" cy="4944511"/>
+          </a:xfrm>
+        </p:spPr>
         <p:txBody>
           <a:bodyPr/>
           <a:lstStyle/>
           <a:p>
-            <a:endParaRPr lang="en-AU"/>
+            <a:r>
+              <a:rPr lang="en-AU" dirty="0">
+                <a:solidFill>
+                  <a:srgbClr val="F8803B"/>
+                </a:solidFill>
+              </a:rPr>
+              <a:t>To all the educators that helped </a:t>
+            </a:r>
+          </a:p>
+          <a:p>
+            <a:pPr lvl="1"/>
+            <a:r>
+              <a:rPr lang="en-AU" dirty="0">
+                <a:solidFill>
+                  <a:srgbClr val="F8803B"/>
+                </a:solidFill>
+              </a:rPr>
+              <a:t>Aaron</a:t>
+            </a:r>
+          </a:p>
+          <a:p>
+            <a:pPr lvl="1"/>
+            <a:r>
+              <a:rPr lang="en-AU" dirty="0">
+                <a:solidFill>
+                  <a:srgbClr val="F8803B"/>
+                </a:solidFill>
+              </a:rPr>
+              <a:t>Harrison</a:t>
+            </a:r>
+          </a:p>
+          <a:p>
+            <a:pPr lvl="1"/>
+            <a:r>
+              <a:rPr lang="en-AU" dirty="0">
+                <a:solidFill>
+                  <a:srgbClr val="F8803B"/>
+                </a:solidFill>
+              </a:rPr>
+              <a:t>Leah</a:t>
+            </a:r>
+          </a:p>
+          <a:p>
+            <a:pPr lvl="1"/>
+            <a:r>
+              <a:rPr lang="en-AU" dirty="0" err="1">
+                <a:solidFill>
+                  <a:srgbClr val="F8803B"/>
+                </a:solidFill>
+              </a:rPr>
+              <a:t>Anhar</a:t>
+            </a:r>
+            <a:endParaRPr lang="en-AU" dirty="0">
+              <a:solidFill>
+                <a:srgbClr val="F8803B"/>
+              </a:solidFill>
+            </a:endParaRPr>
+          </a:p>
+          <a:p>
+            <a:pPr lvl="1"/>
+            <a:endParaRPr lang="en-AU" dirty="0">
+              <a:solidFill>
+                <a:srgbClr val="F8803B"/>
+              </a:solidFill>
+            </a:endParaRPr>
+          </a:p>
+          <a:p>
+            <a:r>
+              <a:rPr lang="en-AU" dirty="0">
+                <a:solidFill>
+                  <a:srgbClr val="F8803B"/>
+                </a:solidFill>
+              </a:rPr>
+              <a:t>Rob’s girls for feedback</a:t>
+            </a:r>
+          </a:p>
+          <a:p>
+            <a:pPr lvl="1"/>
+            <a:endParaRPr lang="en-AU" dirty="0">
+              <a:solidFill>
+                <a:srgbClr val="F8803B"/>
+              </a:solidFill>
+            </a:endParaRPr>
           </a:p>
         </p:txBody>
       </p:sp>
     </p:spTree>
     <p:extLst>
       <p:ext uri="{BB962C8B-B14F-4D97-AF65-F5344CB8AC3E}">
-        <p14:creationId xmlns:p14="http://schemas.microsoft.com/office/powerpoint/2010/main" val="2153223428"/>
+        <p14:creationId xmlns:p14="http://schemas.microsoft.com/office/powerpoint/2010/main" val="2822127281"/>
       </p:ext>
     </p:extLst>
   </p:cSld>
@@ -4537,7 +4709,7 @@
 </p:sld>
 </file>
 
-<file path=ppt/slides/slide13.xml><?xml version="1.0" encoding="utf-8"?>
+<file path=ppt/slides/slide2.xml><?xml version="1.0" encoding="utf-8"?>
 <p:sld xmlns:a="http://schemas.openxmlformats.org/drawingml/2006/main" xmlns:r="http://schemas.openxmlformats.org/officeDocument/2006/relationships" xmlns:p="http://schemas.openxmlformats.org/presentationml/2006/main">
   <p:cSld>
     <p:bg>
@@ -4564,540 +4736,6 @@
       </p:grpSpPr>
       <p:sp>
         <p:nvSpPr>
-          <p:cNvPr id="2" name="Title 1">
-            <a:extLst>
-              <a:ext uri="{FF2B5EF4-FFF2-40B4-BE49-F238E27FC236}">
-                <a16:creationId xmlns:a16="http://schemas.microsoft.com/office/drawing/2014/main" id="{B7D54F68-3A8B-F749-92B3-C6D7894B879D}"/>
-              </a:ext>
-            </a:extLst>
-          </p:cNvPr>
-          <p:cNvSpPr>
-            <a:spLocks noGrp="1"/>
-          </p:cNvSpPr>
-          <p:nvPr>
-            <p:ph type="title"/>
-          </p:nvPr>
-        </p:nvSpPr>
-        <p:spPr/>
-        <p:txBody>
-          <a:bodyPr/>
-          <a:lstStyle/>
-          <a:p>
-            <a:endParaRPr lang="en-AU"/>
-          </a:p>
-        </p:txBody>
-      </p:sp>
-      <p:sp>
-        <p:nvSpPr>
-          <p:cNvPr id="3" name="Content Placeholder 2">
-            <a:extLst>
-              <a:ext uri="{FF2B5EF4-FFF2-40B4-BE49-F238E27FC236}">
-                <a16:creationId xmlns:a16="http://schemas.microsoft.com/office/drawing/2014/main" id="{0C365F9B-9159-4B4B-BA8F-538336383D4F}"/>
-              </a:ext>
-            </a:extLst>
-          </p:cNvPr>
-          <p:cNvSpPr>
-            <a:spLocks noGrp="1"/>
-          </p:cNvSpPr>
-          <p:nvPr>
-            <p:ph idx="1"/>
-          </p:nvPr>
-        </p:nvSpPr>
-        <p:spPr/>
-        <p:txBody>
-          <a:bodyPr/>
-          <a:lstStyle/>
-          <a:p>
-            <a:endParaRPr lang="en-AU"/>
-          </a:p>
-        </p:txBody>
-      </p:sp>
-    </p:spTree>
-    <p:extLst>
-      <p:ext uri="{BB962C8B-B14F-4D97-AF65-F5344CB8AC3E}">
-        <p14:creationId xmlns:p14="http://schemas.microsoft.com/office/powerpoint/2010/main" val="3983128667"/>
-      </p:ext>
-    </p:extLst>
-  </p:cSld>
-  <p:clrMapOvr>
-    <a:masterClrMapping/>
-  </p:clrMapOvr>
-</p:sld>
-</file>
-
-<file path=ppt/slides/slide14.xml><?xml version="1.0" encoding="utf-8"?>
-<p:sld xmlns:a="http://schemas.openxmlformats.org/drawingml/2006/main" xmlns:r="http://schemas.openxmlformats.org/officeDocument/2006/relationships" xmlns:p="http://schemas.openxmlformats.org/presentationml/2006/main">
-  <p:cSld>
-    <p:bg>
-      <p:bgPr>
-        <a:solidFill>
-          <a:srgbClr val="252F34"/>
-        </a:solidFill>
-        <a:effectLst/>
-      </p:bgPr>
-    </p:bg>
-    <p:spTree>
-      <p:nvGrpSpPr>
-        <p:cNvPr id="1" name=""/>
-        <p:cNvGrpSpPr/>
-        <p:nvPr/>
-      </p:nvGrpSpPr>
-      <p:grpSpPr>
-        <a:xfrm>
-          <a:off x="0" y="0"/>
-          <a:ext cx="0" cy="0"/>
-          <a:chOff x="0" y="0"/>
-          <a:chExt cx="0" cy="0"/>
-        </a:xfrm>
-      </p:grpSpPr>
-      <p:sp>
-        <p:nvSpPr>
-          <p:cNvPr id="2" name="Title 1">
-            <a:extLst>
-              <a:ext uri="{FF2B5EF4-FFF2-40B4-BE49-F238E27FC236}">
-                <a16:creationId xmlns:a16="http://schemas.microsoft.com/office/drawing/2014/main" id="{6AEBC3FC-3DCF-1046-86A5-D9059409979B}"/>
-              </a:ext>
-            </a:extLst>
-          </p:cNvPr>
-          <p:cNvSpPr>
-            <a:spLocks noGrp="1"/>
-          </p:cNvSpPr>
-          <p:nvPr>
-            <p:ph type="title"/>
-          </p:nvPr>
-        </p:nvSpPr>
-        <p:spPr/>
-        <p:txBody>
-          <a:bodyPr/>
-          <a:lstStyle/>
-          <a:p>
-            <a:endParaRPr lang="en-AU"/>
-          </a:p>
-        </p:txBody>
-      </p:sp>
-      <p:sp>
-        <p:nvSpPr>
-          <p:cNvPr id="3" name="Content Placeholder 2">
-            <a:extLst>
-              <a:ext uri="{FF2B5EF4-FFF2-40B4-BE49-F238E27FC236}">
-                <a16:creationId xmlns:a16="http://schemas.microsoft.com/office/drawing/2014/main" id="{0E2C0891-4B32-1A4F-8D02-18AA70591A99}"/>
-              </a:ext>
-            </a:extLst>
-          </p:cNvPr>
-          <p:cNvSpPr>
-            <a:spLocks noGrp="1"/>
-          </p:cNvSpPr>
-          <p:nvPr>
-            <p:ph idx="1"/>
-          </p:nvPr>
-        </p:nvSpPr>
-        <p:spPr/>
-        <p:txBody>
-          <a:bodyPr/>
-          <a:lstStyle/>
-          <a:p>
-            <a:endParaRPr lang="en-AU"/>
-          </a:p>
-        </p:txBody>
-      </p:sp>
-    </p:spTree>
-    <p:extLst>
-      <p:ext uri="{BB962C8B-B14F-4D97-AF65-F5344CB8AC3E}">
-        <p14:creationId xmlns:p14="http://schemas.microsoft.com/office/powerpoint/2010/main" val="2822127281"/>
-      </p:ext>
-    </p:extLst>
-  </p:cSld>
-  <p:clrMapOvr>
-    <a:masterClrMapping/>
-  </p:clrMapOvr>
-</p:sld>
-</file>
-
-<file path=ppt/slides/slide15.xml><?xml version="1.0" encoding="utf-8"?>
-<p:sld xmlns:a="http://schemas.openxmlformats.org/drawingml/2006/main" xmlns:r="http://schemas.openxmlformats.org/officeDocument/2006/relationships" xmlns:p="http://schemas.openxmlformats.org/presentationml/2006/main">
-  <p:cSld>
-    <p:bg>
-      <p:bgPr>
-        <a:solidFill>
-          <a:srgbClr val="F8803B"/>
-        </a:solidFill>
-        <a:effectLst/>
-      </p:bgPr>
-    </p:bg>
-    <p:spTree>
-      <p:nvGrpSpPr>
-        <p:cNvPr id="1" name=""/>
-        <p:cNvGrpSpPr/>
-        <p:nvPr/>
-      </p:nvGrpSpPr>
-      <p:grpSpPr>
-        <a:xfrm>
-          <a:off x="0" y="0"/>
-          <a:ext cx="0" cy="0"/>
-          <a:chOff x="0" y="0"/>
-          <a:chExt cx="0" cy="0"/>
-        </a:xfrm>
-      </p:grpSpPr>
-      <p:sp>
-        <p:nvSpPr>
-          <p:cNvPr id="2" name="Title 1">
-            <a:extLst>
-              <a:ext uri="{FF2B5EF4-FFF2-40B4-BE49-F238E27FC236}">
-                <a16:creationId xmlns:a16="http://schemas.microsoft.com/office/drawing/2014/main" id="{18B8EB60-1DB3-664A-9597-BFECE21A72D5}"/>
-              </a:ext>
-            </a:extLst>
-          </p:cNvPr>
-          <p:cNvSpPr>
-            <a:spLocks noGrp="1"/>
-          </p:cNvSpPr>
-          <p:nvPr>
-            <p:ph type="title"/>
-          </p:nvPr>
-        </p:nvSpPr>
-        <p:spPr/>
-        <p:txBody>
-          <a:bodyPr/>
-          <a:lstStyle/>
-          <a:p>
-            <a:endParaRPr lang="en-AU"/>
-          </a:p>
-        </p:txBody>
-      </p:sp>
-      <p:sp>
-        <p:nvSpPr>
-          <p:cNvPr id="3" name="Content Placeholder 2">
-            <a:extLst>
-              <a:ext uri="{FF2B5EF4-FFF2-40B4-BE49-F238E27FC236}">
-                <a16:creationId xmlns:a16="http://schemas.microsoft.com/office/drawing/2014/main" id="{655B0EDD-ACC0-A44C-8940-8B5BFD0E4565}"/>
-              </a:ext>
-            </a:extLst>
-          </p:cNvPr>
-          <p:cNvSpPr>
-            <a:spLocks noGrp="1"/>
-          </p:cNvSpPr>
-          <p:nvPr>
-            <p:ph idx="1"/>
-          </p:nvPr>
-        </p:nvSpPr>
-        <p:spPr/>
-        <p:txBody>
-          <a:bodyPr/>
-          <a:lstStyle/>
-          <a:p>
-            <a:endParaRPr lang="en-AU"/>
-          </a:p>
-        </p:txBody>
-      </p:sp>
-    </p:spTree>
-    <p:extLst>
-      <p:ext uri="{BB962C8B-B14F-4D97-AF65-F5344CB8AC3E}">
-        <p14:creationId xmlns:p14="http://schemas.microsoft.com/office/powerpoint/2010/main" val="1086361231"/>
-      </p:ext>
-    </p:extLst>
-  </p:cSld>
-  <p:clrMapOvr>
-    <a:masterClrMapping/>
-  </p:clrMapOvr>
-</p:sld>
-</file>
-
-<file path=ppt/slides/slide16.xml><?xml version="1.0" encoding="utf-8"?>
-<p:sld xmlns:a="http://schemas.openxmlformats.org/drawingml/2006/main" xmlns:r="http://schemas.openxmlformats.org/officeDocument/2006/relationships" xmlns:p="http://schemas.openxmlformats.org/presentationml/2006/main">
-  <p:cSld>
-    <p:spTree>
-      <p:nvGrpSpPr>
-        <p:cNvPr id="1" name=""/>
-        <p:cNvGrpSpPr/>
-        <p:nvPr/>
-      </p:nvGrpSpPr>
-      <p:grpSpPr>
-        <a:xfrm>
-          <a:off x="0" y="0"/>
-          <a:ext cx="0" cy="0"/>
-          <a:chOff x="0" y="0"/>
-          <a:chExt cx="0" cy="0"/>
-        </a:xfrm>
-      </p:grpSpPr>
-      <p:sp>
-        <p:nvSpPr>
-          <p:cNvPr id="2" name="Title 1">
-            <a:extLst>
-              <a:ext uri="{FF2B5EF4-FFF2-40B4-BE49-F238E27FC236}">
-                <a16:creationId xmlns:a16="http://schemas.microsoft.com/office/drawing/2014/main" id="{45795006-BF2E-FB49-B495-5DE14E074C8D}"/>
-              </a:ext>
-            </a:extLst>
-          </p:cNvPr>
-          <p:cNvSpPr>
-            <a:spLocks noGrp="1"/>
-          </p:cNvSpPr>
-          <p:nvPr>
-            <p:ph type="title"/>
-          </p:nvPr>
-        </p:nvSpPr>
-        <p:spPr/>
-        <p:txBody>
-          <a:bodyPr>
-            <a:normAutofit fontScale="90000"/>
-          </a:bodyPr>
-          <a:lstStyle/>
-          <a:p>
-            <a:r>
-              <a:rPr lang="en-AU" b="0" i="0">
-                <a:solidFill>
-                  <a:srgbClr val="2D3B45"/>
-                </a:solidFill>
-                <a:effectLst/>
-                <a:latin typeface="LatoWeb"/>
-              </a:rPr>
-              <a:t>review of your development/build process including challenges, ethical issues, favourite parts, etc</a:t>
-            </a:r>
-            <a:endParaRPr lang="en-US"/>
-          </a:p>
-        </p:txBody>
-      </p:sp>
-      <p:sp>
-        <p:nvSpPr>
-          <p:cNvPr id="3" name="Content Placeholder 2">
-            <a:extLst>
-              <a:ext uri="{FF2B5EF4-FFF2-40B4-BE49-F238E27FC236}">
-                <a16:creationId xmlns:a16="http://schemas.microsoft.com/office/drawing/2014/main" id="{802566CC-F540-2342-9DC1-5EDF2D6AB351}"/>
-              </a:ext>
-            </a:extLst>
-          </p:cNvPr>
-          <p:cNvSpPr>
-            <a:spLocks noGrp="1"/>
-          </p:cNvSpPr>
-          <p:nvPr>
-            <p:ph idx="1"/>
-          </p:nvPr>
-        </p:nvSpPr>
-        <p:spPr/>
-        <p:txBody>
-          <a:bodyPr/>
-          <a:lstStyle/>
-          <a:p>
-            <a:endParaRPr lang="en-US"/>
-          </a:p>
-        </p:txBody>
-      </p:sp>
-    </p:spTree>
-    <p:extLst>
-      <p:ext uri="{BB962C8B-B14F-4D97-AF65-F5344CB8AC3E}">
-        <p14:creationId xmlns:p14="http://schemas.microsoft.com/office/powerpoint/2010/main" val="157761922"/>
-      </p:ext>
-    </p:extLst>
-  </p:cSld>
-  <p:clrMapOvr>
-    <a:masterClrMapping/>
-  </p:clrMapOvr>
-</p:sld>
-</file>
-
-<file path=ppt/slides/slide2.xml><?xml version="1.0" encoding="utf-8"?>
-<p:sld xmlns:a="http://schemas.openxmlformats.org/drawingml/2006/main" xmlns:r="http://schemas.openxmlformats.org/officeDocument/2006/relationships" xmlns:p="http://schemas.openxmlformats.org/presentationml/2006/main">
-  <p:cSld>
-    <p:spTree>
-      <p:nvGrpSpPr>
-        <p:cNvPr id="1" name=""/>
-        <p:cNvGrpSpPr/>
-        <p:nvPr/>
-      </p:nvGrpSpPr>
-      <p:grpSpPr>
-        <a:xfrm>
-          <a:off x="0" y="0"/>
-          <a:ext cx="0" cy="0"/>
-          <a:chOff x="0" y="0"/>
-          <a:chExt cx="0" cy="0"/>
-        </a:xfrm>
-      </p:grpSpPr>
-      <p:sp>
-        <p:nvSpPr>
-          <p:cNvPr id="2" name="Rectangle 1">
-            <a:extLst>
-              <a:ext uri="{FF2B5EF4-FFF2-40B4-BE49-F238E27FC236}">
-                <a16:creationId xmlns:a16="http://schemas.microsoft.com/office/drawing/2014/main" id="{EDEB965A-4642-484D-94CD-EF248DF64EAA}"/>
-              </a:ext>
-            </a:extLst>
-          </p:cNvPr>
-          <p:cNvSpPr/>
-          <p:nvPr/>
-        </p:nvSpPr>
-        <p:spPr>
-          <a:xfrm>
-            <a:off x="1843314" y="827315"/>
-            <a:ext cx="7300686" cy="2308324"/>
-          </a:xfrm>
-          <a:prstGeom prst="rect">
-            <a:avLst/>
-          </a:prstGeom>
-        </p:spPr>
-        <p:txBody>
-          <a:bodyPr wrap="square">
-            <a:spAutoFit/>
-          </a:bodyPr>
-          <a:lstStyle/>
-          <a:p>
-            <a:r>
-              <a:rPr lang="en-AU" b="0" i="0" dirty="0">
-                <a:solidFill>
-                  <a:srgbClr val="2D3B45"/>
-                </a:solidFill>
-                <a:effectLst/>
-                <a:latin typeface="LatoWeb"/>
-              </a:rPr>
-              <a:t>You are to deliver a 7 minute presentation to the class.</a:t>
-            </a:r>
-          </a:p>
-          <a:p>
-            <a:r>
-              <a:rPr lang="en-AU" b="0" i="0" dirty="0">
-                <a:solidFill>
-                  <a:srgbClr val="2D3B45"/>
-                </a:solidFill>
-                <a:effectLst/>
-                <a:latin typeface="LatoWeb"/>
-              </a:rPr>
-              <a:t>The presentation should include,</a:t>
-            </a:r>
-          </a:p>
-          <a:p>
-            <a:pPr>
-              <a:buFont typeface="+mj-lt"/>
-              <a:buAutoNum type="alphaLcPeriod"/>
-            </a:pPr>
-            <a:r>
-              <a:rPr lang="en-AU" b="0" i="0" dirty="0">
-                <a:solidFill>
-                  <a:srgbClr val="2D3B45"/>
-                </a:solidFill>
-                <a:effectLst/>
-                <a:latin typeface="LatoWeb"/>
-              </a:rPr>
-              <a:t>A walk-through of your live </a:t>
-            </a:r>
-            <a:r>
-              <a:rPr lang="en-AU" b="0" i="1" dirty="0">
-                <a:solidFill>
-                  <a:srgbClr val="2D3B45"/>
-                </a:solidFill>
-                <a:effectLst/>
-                <a:latin typeface="LatoWeb"/>
-              </a:rPr>
-              <a:t>App</a:t>
-            </a:r>
-            <a:r>
-              <a:rPr lang="en-AU" b="0" i="0" dirty="0">
-                <a:solidFill>
-                  <a:srgbClr val="2D3B45"/>
-                </a:solidFill>
-                <a:effectLst/>
-                <a:latin typeface="LatoWeb"/>
-              </a:rPr>
-              <a:t> website and its features</a:t>
-            </a:r>
-          </a:p>
-          <a:p>
-            <a:pPr>
-              <a:buFont typeface="+mj-lt"/>
-              <a:buAutoNum type="alphaLcPeriod"/>
-            </a:pPr>
-            <a:r>
-              <a:rPr lang="en-AU" b="0" i="0" dirty="0">
-                <a:solidFill>
-                  <a:srgbClr val="2D3B45"/>
-                </a:solidFill>
-                <a:effectLst/>
-                <a:latin typeface="LatoWeb"/>
-              </a:rPr>
-              <a:t>A walk-through of your design process and decisions</a:t>
-            </a:r>
-          </a:p>
-          <a:p>
-            <a:pPr>
-              <a:buFont typeface="+mj-lt"/>
-              <a:buAutoNum type="alphaLcPeriod"/>
-            </a:pPr>
-            <a:r>
-              <a:rPr lang="en-AU" b="0" i="0" dirty="0">
-                <a:solidFill>
-                  <a:srgbClr val="2D3B45"/>
-                </a:solidFill>
-                <a:effectLst/>
-                <a:latin typeface="LatoWeb"/>
-              </a:rPr>
-              <a:t>A review of your development/build process including challenges, ethical issues, favourite parts, etc</a:t>
-            </a:r>
-          </a:p>
-          <a:p>
-            <a:pPr>
-              <a:buFont typeface="+mj-lt"/>
-              <a:buAutoNum type="alphaLcPeriod"/>
-            </a:pPr>
-            <a:r>
-              <a:rPr lang="en-AU" b="0" i="0" dirty="0">
-                <a:solidFill>
-                  <a:srgbClr val="2D3B45"/>
-                </a:solidFill>
-                <a:effectLst/>
-                <a:latin typeface="LatoWeb"/>
-              </a:rPr>
-              <a:t>Answer questions from the audience</a:t>
-            </a:r>
-          </a:p>
-          <a:p>
-            <a:r>
-              <a:rPr lang="en-AU" b="0" i="0" dirty="0">
-                <a:solidFill>
-                  <a:srgbClr val="2D3B45"/>
-                </a:solidFill>
-                <a:effectLst/>
-                <a:latin typeface="LatoWeb"/>
-              </a:rPr>
-              <a:t>Use this presentation as an opportunity to pitch your ideas to 'investors'.</a:t>
-            </a:r>
-          </a:p>
-        </p:txBody>
-      </p:sp>
-    </p:spTree>
-    <p:extLst>
-      <p:ext uri="{BB962C8B-B14F-4D97-AF65-F5344CB8AC3E}">
-        <p14:creationId xmlns:p14="http://schemas.microsoft.com/office/powerpoint/2010/main" val="755693410"/>
-      </p:ext>
-    </p:extLst>
-  </p:cSld>
-  <p:clrMapOvr>
-    <a:masterClrMapping/>
-  </p:clrMapOvr>
-</p:sld>
-</file>
-
-<file path=ppt/slides/slide3.xml><?xml version="1.0" encoding="utf-8"?>
-<p:sld xmlns:a="http://schemas.openxmlformats.org/drawingml/2006/main" xmlns:r="http://schemas.openxmlformats.org/officeDocument/2006/relationships" xmlns:p="http://schemas.openxmlformats.org/presentationml/2006/main">
-  <p:cSld>
-    <p:bg>
-      <p:bgPr>
-        <a:solidFill>
-          <a:srgbClr val="F8803B"/>
-        </a:solidFill>
-        <a:effectLst/>
-      </p:bgPr>
-    </p:bg>
-    <p:spTree>
-      <p:nvGrpSpPr>
-        <p:cNvPr id="1" name=""/>
-        <p:cNvGrpSpPr/>
-        <p:nvPr/>
-      </p:nvGrpSpPr>
-      <p:grpSpPr>
-        <a:xfrm>
-          <a:off x="0" y="0"/>
-          <a:ext cx="0" cy="0"/>
-          <a:chOff x="0" y="0"/>
-          <a:chExt cx="0" cy="0"/>
-        </a:xfrm>
-      </p:grpSpPr>
-      <p:sp>
-        <p:nvSpPr>
           <p:cNvPr id="3" name="Content Placeholder 2">
             <a:extLst>
               <a:ext uri="{FF2B5EF4-FFF2-40B4-BE49-F238E27FC236}">
@@ -5220,7 +4858,7 @@
 </p:sld>
 </file>
 
-<file path=ppt/slides/slide4.xml><?xml version="1.0" encoding="utf-8"?>
+<file path=ppt/slides/slide3.xml><?xml version="1.0" encoding="utf-8"?>
 <p:sld xmlns:a="http://schemas.openxmlformats.org/drawingml/2006/main" xmlns:r="http://schemas.openxmlformats.org/officeDocument/2006/relationships" xmlns:p="http://schemas.openxmlformats.org/presentationml/2006/main">
   <p:cSld>
     <p:spTree>
@@ -5574,7 +5212,7 @@
 </p:sld>
 </file>
 
-<file path=ppt/slides/slide5.xml><?xml version="1.0" encoding="utf-8"?>
+<file path=ppt/slides/slide4.xml><?xml version="1.0" encoding="utf-8"?>
 <p:sld xmlns:a="http://schemas.openxmlformats.org/drawingml/2006/main" xmlns:r="http://schemas.openxmlformats.org/officeDocument/2006/relationships" xmlns:p="http://schemas.openxmlformats.org/presentationml/2006/main">
   <p:cSld>
     <p:bg>
@@ -5815,7 +5453,7 @@
 </p:sld>
 </file>
 
-<file path=ppt/slides/slide6.xml><?xml version="1.0" encoding="utf-8"?>
+<file path=ppt/slides/slide5.xml><?xml version="1.0" encoding="utf-8"?>
 <p:sld xmlns:a="http://schemas.openxmlformats.org/drawingml/2006/main" xmlns:r="http://schemas.openxmlformats.org/officeDocument/2006/relationships" xmlns:p="http://schemas.openxmlformats.org/presentationml/2006/main">
   <p:cSld>
     <p:bg>
@@ -7114,7 +6752,7 @@
 </p:sld>
 </file>
 
-<file path=ppt/slides/slide7.xml><?xml version="1.0" encoding="utf-8"?>
+<file path=ppt/slides/slide6.xml><?xml version="1.0" encoding="utf-8"?>
 <p:sld xmlns:a="http://schemas.openxmlformats.org/drawingml/2006/main" xmlns:r="http://schemas.openxmlformats.org/officeDocument/2006/relationships" xmlns:p="http://schemas.openxmlformats.org/presentationml/2006/main">
   <p:cSld>
     <p:bg>
@@ -7444,7 +7082,7 @@
 </p:sld>
 </file>
 
-<file path=ppt/slides/slide8.xml><?xml version="1.0" encoding="utf-8"?>
+<file path=ppt/slides/slide7.xml><?xml version="1.0" encoding="utf-8"?>
 <p:sld xmlns:a="http://schemas.openxmlformats.org/drawingml/2006/main" xmlns:r="http://schemas.openxmlformats.org/officeDocument/2006/relationships" xmlns:p="http://schemas.openxmlformats.org/presentationml/2006/main">
   <p:cSld>
     <p:bg>
@@ -7576,7 +7214,7 @@
 </p:sld>
 </file>
 
-<file path=ppt/slides/slide9.xml><?xml version="1.0" encoding="utf-8"?>
+<file path=ppt/slides/slide8.xml><?xml version="1.0" encoding="utf-8"?>
 <p:sld xmlns:a="http://schemas.openxmlformats.org/drawingml/2006/main" xmlns:r="http://schemas.openxmlformats.org/officeDocument/2006/relationships" xmlns:p="http://schemas.openxmlformats.org/presentationml/2006/main">
   <p:cSld>
     <p:bg>
@@ -7635,6 +7273,182 @@
     <p:extLst>
       <p:ext uri="{BB962C8B-B14F-4D97-AF65-F5344CB8AC3E}">
         <p14:creationId xmlns:p14="http://schemas.microsoft.com/office/powerpoint/2010/main" val="1412674318"/>
+      </p:ext>
+    </p:extLst>
+  </p:cSld>
+  <p:clrMapOvr>
+    <a:masterClrMapping/>
+  </p:clrMapOvr>
+</p:sld>
+</file>
+
+<file path=ppt/slides/slide9.xml><?xml version="1.0" encoding="utf-8"?>
+<p:sld xmlns:a="http://schemas.openxmlformats.org/drawingml/2006/main" xmlns:r="http://schemas.openxmlformats.org/officeDocument/2006/relationships" xmlns:p="http://schemas.openxmlformats.org/presentationml/2006/main">
+  <p:cSld>
+    <p:bg>
+      <p:bgPr>
+        <a:solidFill>
+          <a:srgbClr val="252F34"/>
+        </a:solidFill>
+        <a:effectLst/>
+      </p:bgPr>
+    </p:bg>
+    <p:spTree>
+      <p:nvGrpSpPr>
+        <p:cNvPr id="1" name=""/>
+        <p:cNvGrpSpPr/>
+        <p:nvPr/>
+      </p:nvGrpSpPr>
+      <p:grpSpPr>
+        <a:xfrm>
+          <a:off x="0" y="0"/>
+          <a:ext cx="0" cy="0"/>
+          <a:chOff x="0" y="0"/>
+          <a:chExt cx="0" cy="0"/>
+        </a:xfrm>
+      </p:grpSpPr>
+      <p:sp>
+        <p:nvSpPr>
+          <p:cNvPr id="4" name="Title 3">
+            <a:extLst>
+              <a:ext uri="{FF2B5EF4-FFF2-40B4-BE49-F238E27FC236}">
+                <a16:creationId xmlns:a16="http://schemas.microsoft.com/office/drawing/2014/main" id="{38C4DFF6-F3D7-E046-921E-458B981F16C5}"/>
+              </a:ext>
+            </a:extLst>
+          </p:cNvPr>
+          <p:cNvSpPr>
+            <a:spLocks noGrp="1"/>
+          </p:cNvSpPr>
+          <p:nvPr>
+            <p:ph type="title"/>
+          </p:nvPr>
+        </p:nvSpPr>
+        <p:spPr/>
+        <p:txBody>
+          <a:bodyPr>
+            <a:noAutofit/>
+          </a:bodyPr>
+          <a:lstStyle/>
+          <a:p>
+            <a:r>
+              <a:rPr lang="en-AU" sz="3200" b="0" dirty="0">
+                <a:solidFill>
+                  <a:srgbClr val="F8803B"/>
+                </a:solidFill>
+              </a:rPr>
+              <a:t>challenges, ethical issues, favourite parts, etc</a:t>
+            </a:r>
+            <a:endParaRPr lang="en-US" sz="3200" b="0" dirty="0">
+              <a:solidFill>
+                <a:srgbClr val="F8803B"/>
+              </a:solidFill>
+            </a:endParaRPr>
+          </a:p>
+        </p:txBody>
+      </p:sp>
+      <p:sp>
+        <p:nvSpPr>
+          <p:cNvPr id="5" name="Content Placeholder 4">
+            <a:extLst>
+              <a:ext uri="{FF2B5EF4-FFF2-40B4-BE49-F238E27FC236}">
+                <a16:creationId xmlns:a16="http://schemas.microsoft.com/office/drawing/2014/main" id="{E7CF3575-1919-9D48-80EE-B93267147357}"/>
+              </a:ext>
+            </a:extLst>
+          </p:cNvPr>
+          <p:cNvSpPr>
+            <a:spLocks noGrp="1"/>
+          </p:cNvSpPr>
+          <p:nvPr>
+            <p:ph idx="1"/>
+          </p:nvPr>
+        </p:nvSpPr>
+        <p:spPr>
+          <a:xfrm>
+            <a:off x="893284" y="1386688"/>
+            <a:ext cx="10515600" cy="4944511"/>
+          </a:xfrm>
+        </p:spPr>
+        <p:txBody>
+          <a:bodyPr/>
+          <a:lstStyle/>
+          <a:p>
+            <a:r>
+              <a:rPr lang="en-US" dirty="0">
+                <a:solidFill>
+                  <a:srgbClr val="F8803B"/>
+                </a:solidFill>
+              </a:rPr>
+              <a:t>Challenges</a:t>
+            </a:r>
+          </a:p>
+          <a:p>
+            <a:pPr lvl="1"/>
+            <a:r>
+              <a:rPr lang="en-US" dirty="0">
+                <a:solidFill>
+                  <a:srgbClr val="F8803B"/>
+                </a:solidFill>
+              </a:rPr>
+              <a:t>GitHub</a:t>
+            </a:r>
+          </a:p>
+          <a:p>
+            <a:pPr lvl="1"/>
+            <a:r>
+              <a:rPr lang="en-US" dirty="0">
+                <a:solidFill>
+                  <a:srgbClr val="F8803B"/>
+                </a:solidFill>
+              </a:rPr>
+              <a:t>Bootstrap</a:t>
+            </a:r>
+          </a:p>
+          <a:p>
+            <a:pPr lvl="1"/>
+            <a:r>
+              <a:rPr lang="en-US" dirty="0">
+                <a:solidFill>
+                  <a:srgbClr val="F8803B"/>
+                </a:solidFill>
+              </a:rPr>
+              <a:t>Devise – configuring 2 models</a:t>
+            </a:r>
+          </a:p>
+          <a:p>
+            <a:pPr lvl="1"/>
+            <a:endParaRPr lang="en-US" dirty="0">
+              <a:solidFill>
+                <a:srgbClr val="F8803B"/>
+              </a:solidFill>
+            </a:endParaRPr>
+          </a:p>
+          <a:p>
+            <a:r>
+              <a:rPr lang="en-US" dirty="0">
+                <a:solidFill>
+                  <a:srgbClr val="F8803B"/>
+                </a:solidFill>
+              </a:rPr>
+              <a:t>Satisfaction</a:t>
+            </a:r>
+          </a:p>
+          <a:p>
+            <a:pPr lvl="1"/>
+            <a:r>
+              <a:rPr lang="en-US" dirty="0">
+                <a:solidFill>
+                  <a:srgbClr val="F8803B"/>
+                </a:solidFill>
+              </a:rPr>
+              <a:t>💡 How to retrieve data from related database tables</a:t>
+            </a:r>
+          </a:p>
+        </p:txBody>
+      </p:sp>
+    </p:spTree>
+    <p:extLst>
+      <p:ext uri="{BB962C8B-B14F-4D97-AF65-F5344CB8AC3E}">
+        <p14:creationId xmlns:p14="http://schemas.microsoft.com/office/powerpoint/2010/main" val="3815361700"/>
       </p:ext>
     </p:extLst>
   </p:cSld>
